--- a/Computer_Networking/LiFi.pptx
+++ b/Computer_Networking/LiFi.pptx
@@ -136,10 +136,25 @@
   <pc:docChgLst>
     <pc:chgData name="김 민서" userId="296346e923fc1296" providerId="LiveId" clId="{3DBB2E57-0BC2-4563-8033-29F38A369913}"/>
     <pc:docChg chg="undo custSel addSld delSld modSld">
-      <pc:chgData name="김 민서" userId="296346e923fc1296" providerId="LiveId" clId="{3DBB2E57-0BC2-4563-8033-29F38A369913}" dt="2022-06-12T05:29:14.069" v="1424" actId="14100"/>
+      <pc:chgData name="김 민서" userId="296346e923fc1296" providerId="LiveId" clId="{3DBB2E57-0BC2-4563-8033-29F38A369913}" dt="2022-06-12T08:54:20.702" v="1470" actId="20577"/>
       <pc:docMkLst>
         <pc:docMk/>
       </pc:docMkLst>
+      <pc:sldChg chg="modSp mod">
+        <pc:chgData name="김 민서" userId="296346e923fc1296" providerId="LiveId" clId="{3DBB2E57-0BC2-4563-8033-29F38A369913}" dt="2022-06-12T08:52:56.394" v="1427" actId="20577"/>
+        <pc:sldMkLst>
+          <pc:docMk/>
+          <pc:sldMk cId="491112200" sldId="257"/>
+        </pc:sldMkLst>
+        <pc:spChg chg="mod">
+          <ac:chgData name="김 민서" userId="296346e923fc1296" providerId="LiveId" clId="{3DBB2E57-0BC2-4563-8033-29F38A369913}" dt="2022-06-12T08:52:56.394" v="1427" actId="20577"/>
+          <ac:spMkLst>
+            <pc:docMk/>
+            <pc:sldMk cId="491112200" sldId="257"/>
+            <ac:spMk id="6" creationId="{97631C44-8DA3-67DF-945F-20E86477C421}"/>
+          </ac:spMkLst>
+        </pc:spChg>
+      </pc:sldChg>
       <pc:sldChg chg="addSp delSp modSp add del mod setBg">
         <pc:chgData name="김 민서" userId="296346e923fc1296" providerId="LiveId" clId="{3DBB2E57-0BC2-4563-8033-29F38A369913}" dt="2022-06-12T04:38:14.490" v="516" actId="47"/>
         <pc:sldMkLst>
@@ -507,11 +522,19 @@
         </pc:picChg>
       </pc:sldChg>
       <pc:sldChg chg="addSp delSp modSp add mod">
-        <pc:chgData name="김 민서" userId="296346e923fc1296" providerId="LiveId" clId="{3DBB2E57-0BC2-4563-8033-29F38A369913}" dt="2022-06-12T04:42:48.394" v="634" actId="5793"/>
+        <pc:chgData name="김 민서" userId="296346e923fc1296" providerId="LiveId" clId="{3DBB2E57-0BC2-4563-8033-29F38A369913}" dt="2022-06-12T08:53:59.459" v="1441" actId="20577"/>
         <pc:sldMkLst>
           <pc:docMk/>
           <pc:sldMk cId="2007011826" sldId="260"/>
         </pc:sldMkLst>
+        <pc:spChg chg="mod">
+          <ac:chgData name="김 민서" userId="296346e923fc1296" providerId="LiveId" clId="{3DBB2E57-0BC2-4563-8033-29F38A369913}" dt="2022-06-12T08:53:59.459" v="1441" actId="20577"/>
+          <ac:spMkLst>
+            <pc:docMk/>
+            <pc:sldMk cId="2007011826" sldId="260"/>
+            <ac:spMk id="7" creationId="{8E36DF35-08E0-48B3-BCC4-3F581DE9568E}"/>
+          </ac:spMkLst>
+        </pc:spChg>
         <pc:spChg chg="mod">
           <ac:chgData name="김 민서" userId="296346e923fc1296" providerId="LiveId" clId="{3DBB2E57-0BC2-4563-8033-29F38A369913}" dt="2022-06-12T04:42:48.394" v="634" actId="5793"/>
           <ac:spMkLst>
@@ -657,11 +680,19 @@
         </pc:picChg>
       </pc:sldChg>
       <pc:sldChg chg="addSp delSp modSp add mod">
-        <pc:chgData name="김 민서" userId="296346e923fc1296" providerId="LiveId" clId="{3DBB2E57-0BC2-4563-8033-29F38A369913}" dt="2022-06-12T04:55:05.837" v="1286" actId="20577"/>
+        <pc:chgData name="김 민서" userId="296346e923fc1296" providerId="LiveId" clId="{3DBB2E57-0BC2-4563-8033-29F38A369913}" dt="2022-06-12T08:54:11.073" v="1458" actId="20577"/>
         <pc:sldMkLst>
           <pc:docMk/>
           <pc:sldMk cId="3465554939" sldId="262"/>
         </pc:sldMkLst>
+        <pc:spChg chg="mod">
+          <ac:chgData name="김 민서" userId="296346e923fc1296" providerId="LiveId" clId="{3DBB2E57-0BC2-4563-8033-29F38A369913}" dt="2022-06-12T08:54:11.073" v="1458" actId="20577"/>
+          <ac:spMkLst>
+            <pc:docMk/>
+            <pc:sldMk cId="3465554939" sldId="262"/>
+            <ac:spMk id="7" creationId="{8E36DF35-08E0-48B3-BCC4-3F581DE9568E}"/>
+          </ac:spMkLst>
+        </pc:spChg>
         <pc:spChg chg="del">
           <ac:chgData name="김 민서" userId="296346e923fc1296" providerId="LiveId" clId="{3DBB2E57-0BC2-4563-8033-29F38A369913}" dt="2022-06-12T04:49:44.967" v="902" actId="478"/>
           <ac:spMkLst>
@@ -822,7 +853,7 @@
         </pc:spChg>
       </pc:sldChg>
       <pc:sldChg chg="addSp delSp modSp add mod">
-        <pc:chgData name="김 민서" userId="296346e923fc1296" providerId="LiveId" clId="{3DBB2E57-0BC2-4563-8033-29F38A369913}" dt="2022-06-12T05:29:14.069" v="1424" actId="14100"/>
+        <pc:chgData name="김 민서" userId="296346e923fc1296" providerId="LiveId" clId="{3DBB2E57-0BC2-4563-8033-29F38A369913}" dt="2022-06-12T08:54:20.702" v="1470" actId="20577"/>
         <pc:sldMkLst>
           <pc:docMk/>
           <pc:sldMk cId="3706626030" sldId="265"/>
@@ -833,6 +864,14 @@
             <pc:docMk/>
             <pc:sldMk cId="3706626030" sldId="265"/>
             <ac:spMk id="4" creationId="{367FC5C0-10ED-1723-9B7A-C5D5BF6879DA}"/>
+          </ac:spMkLst>
+        </pc:spChg>
+        <pc:spChg chg="mod">
+          <ac:chgData name="김 민서" userId="296346e923fc1296" providerId="LiveId" clId="{3DBB2E57-0BC2-4563-8033-29F38A369913}" dt="2022-06-12T08:54:20.702" v="1470" actId="20577"/>
+          <ac:spMkLst>
+            <pc:docMk/>
+            <pc:sldMk cId="3706626030" sldId="265"/>
+            <ac:spMk id="7" creationId="{8E36DF35-08E0-48B3-BCC4-3F581DE9568E}"/>
           </ac:spMkLst>
         </pc:spChg>
         <pc:spChg chg="del">
@@ -5166,7 +5205,7 @@
                 <a:latin typeface="휴먼옛체" panose="02030504000101010101" pitchFamily="18" charset="-127"/>
                 <a:ea typeface="휴먼옛체" panose="02030504000101010101" pitchFamily="18" charset="-127"/>
               </a:rPr>
-              <a:t> 통신 기술의 보조 방식</a:t>
+              <a:t> 통신 기술의 방식</a:t>
             </a:r>
           </a:p>
         </p:txBody>
@@ -5889,7 +5928,7 @@
                 <a:latin typeface="휴먼옛체" panose="02030504000101010101" pitchFamily="18" charset="-127"/>
                 <a:ea typeface="휴먼옛체" panose="02030504000101010101" pitchFamily="18" charset="-127"/>
               </a:rPr>
-              <a:t>Basic Concept Diagram </a:t>
+              <a:t>Rate of </a:t>
             </a:r>
             <a:r>
               <a:rPr lang="en-US" altLang="ko-KR" sz="4000" dirty="0" err="1">
@@ -6641,13 +6680,6 @@
           <a:lstStyle/>
           <a:p>
             <a:r>
-              <a:rPr lang="en-US" altLang="ko-KR" sz="4000" dirty="0">
-                <a:latin typeface="휴먼옛체" panose="02030504000101010101" pitchFamily="18" charset="-127"/>
-                <a:ea typeface="휴먼옛체" panose="02030504000101010101" pitchFamily="18" charset="-127"/>
-              </a:rPr>
-              <a:t>Transceiver </a:t>
-            </a:r>
-            <a:r>
               <a:rPr lang="en-US" altLang="ko-KR" sz="4000" dirty="0" err="1">
                 <a:latin typeface="휴먼옛체" panose="02030504000101010101" pitchFamily="18" charset="-127"/>
                 <a:ea typeface="휴먼옛체" panose="02030504000101010101" pitchFamily="18" charset="-127"/>
@@ -6659,7 +6691,7 @@
                 <a:latin typeface="휴먼옛체" panose="02030504000101010101" pitchFamily="18" charset="-127"/>
                 <a:ea typeface="휴먼옛체" panose="02030504000101010101" pitchFamily="18" charset="-127"/>
               </a:rPr>
-              <a:t> based on VLC</a:t>
+              <a:t> Modulation</a:t>
             </a:r>
             <a:endParaRPr lang="ko-KR" altLang="en-US" sz="4000" dirty="0">
               <a:latin typeface="휴먼옛체" panose="02030504000101010101" pitchFamily="18" charset="-127"/>
@@ -7519,18 +7551,25 @@
           <a:lstStyle/>
           <a:p>
             <a:r>
-              <a:rPr lang="en-US" altLang="ko-KR" sz="4000" dirty="0">
-                <a:latin typeface="휴먼옛체" panose="02030504000101010101" pitchFamily="18" charset="-127"/>
-                <a:ea typeface="휴먼옛체" panose="02030504000101010101" pitchFamily="18" charset="-127"/>
-              </a:rPr>
-              <a:t>The architecture of </a:t>
-            </a:r>
-            <a:r>
               <a:rPr lang="en-US" altLang="ko-KR" sz="4000" dirty="0" err="1">
                 <a:latin typeface="휴먼옛체" panose="02030504000101010101" pitchFamily="18" charset="-127"/>
                 <a:ea typeface="휴먼옛체" panose="02030504000101010101" pitchFamily="18" charset="-127"/>
               </a:rPr>
               <a:t>LiFi</a:t>
+            </a:r>
+            <a:r>
+              <a:rPr lang="en-US" altLang="ko-KR" sz="4000" dirty="0">
+                <a:latin typeface="휴먼옛체" panose="02030504000101010101" pitchFamily="18" charset="-127"/>
+                <a:ea typeface="휴먼옛체" panose="02030504000101010101" pitchFamily="18" charset="-127"/>
+              </a:rPr>
+              <a:t> vs </a:t>
+            </a:r>
+            <a:r>
+              <a:rPr lang="en-US" altLang="ko-KR" sz="4000" dirty="0" err="1">
+                <a:latin typeface="휴먼옛체" panose="02030504000101010101" pitchFamily="18" charset="-127"/>
+                <a:ea typeface="휴먼옛체" panose="02030504000101010101" pitchFamily="18" charset="-127"/>
+              </a:rPr>
+              <a:t>WiFi</a:t>
             </a:r>
             <a:endParaRPr lang="ko-KR" altLang="en-US" sz="4000" dirty="0">
               <a:latin typeface="휴먼옛체" panose="02030504000101010101" pitchFamily="18" charset="-127"/>
